--- a/wireframes.pptx
+++ b/wireframes.pptx
@@ -3575,7 +3575,7 @@
             <a:pPr algn="ctr"/>
             <a:r>
               <a:rPr lang="en-US" dirty="0"/>
-              <a:t>-- New York Times </a:t>
+              <a:t>-- New York Times {Link}</a:t>
             </a:r>
           </a:p>
         </p:txBody>
